--- a/Final/Blur.pptx.pptx
+++ b/Final/Blur.pptx.pptx
@@ -5,7 +5,7 @@
     <p:sldMasterId id="2147483664" r:id="rId1"/>
   </p:sldMasterIdLst>
   <p:notesMasterIdLst>
-    <p:notesMasterId r:id="rId29"/>
+    <p:notesMasterId r:id="rId24"/>
   </p:notesMasterIdLst>
   <p:sldIdLst>
     <p:sldId id="256" r:id="rId2"/>
@@ -29,12 +29,7 @@
     <p:sldId id="274" r:id="rId20"/>
     <p:sldId id="275" r:id="rId21"/>
     <p:sldId id="276" r:id="rId22"/>
-    <p:sldId id="277" r:id="rId23"/>
-    <p:sldId id="278" r:id="rId24"/>
-    <p:sldId id="279" r:id="rId25"/>
-    <p:sldId id="280" r:id="rId26"/>
-    <p:sldId id="281" r:id="rId27"/>
-    <p:sldId id="282" r:id="rId28"/>
+    <p:sldId id="282" r:id="rId23"/>
   </p:sldIdLst>
   <p:sldSz cx="12192000" cy="6858000"/>
   <p:notesSz cx="6858000" cy="9144000"/>
@@ -2139,586 +2134,6 @@
 </file>
 
 <file path=ppt/notesSlides/notesSlide22.xml><?xml version="1.0" encoding="utf-8"?>
-<p:notes xmlns:a="http://schemas.openxmlformats.org/drawingml/2006/main" xmlns:r="http://schemas.openxmlformats.org/officeDocument/2006/relationships" xmlns:p="http://schemas.openxmlformats.org/presentationml/2006/main" showMasterSp="0" showMasterPhAnim="0">
-  <p:cSld>
-    <p:spTree>
-      <p:nvGrpSpPr>
-        <p:cNvPr id="1" name="Shape 269"/>
-        <p:cNvGrpSpPr/>
-        <p:nvPr/>
-      </p:nvGrpSpPr>
-      <p:grpSpPr>
-        <a:xfrm>
-          <a:off x="0" y="0"/>
-          <a:ext cx="0" cy="0"/>
-          <a:chOff x="0" y="0"/>
-          <a:chExt cx="0" cy="0"/>
-        </a:xfrm>
-      </p:grpSpPr>
-      <p:sp>
-        <p:nvSpPr>
-          <p:cNvPr id="270" name="Shape 270"/>
-          <p:cNvSpPr>
-            <a:spLocks noGrp="1" noRot="1" noChangeAspect="1"/>
-          </p:cNvSpPr>
-          <p:nvPr>
-            <p:ph type="sldImg" idx="2"/>
-          </p:nvPr>
-        </p:nvSpPr>
-        <p:spPr>
-          <a:xfrm>
-            <a:off x="381000" y="685800"/>
-            <a:ext cx="6096000" cy="3429000"/>
-          </a:xfrm>
-          <a:custGeom>
-            <a:avLst/>
-            <a:gdLst/>
-            <a:ahLst/>
-            <a:cxnLst/>
-            <a:rect l="0" t="0" r="0" b="0"/>
-            <a:pathLst>
-              <a:path w="120000" h="120000" extrusionOk="0">
-                <a:moveTo>
-                  <a:pt x="0" y="0"/>
-                </a:moveTo>
-                <a:lnTo>
-                  <a:pt x="120000" y="0"/>
-                </a:lnTo>
-                <a:lnTo>
-                  <a:pt x="120000" y="120000"/>
-                </a:lnTo>
-                <a:lnTo>
-                  <a:pt x="0" y="120000"/>
-                </a:lnTo>
-                <a:close/>
-              </a:path>
-            </a:pathLst>
-          </a:custGeom>
-          <a:noFill/>
-          <a:ln w="9525" cap="flat" cmpd="sng">
-            <a:solidFill>
-              <a:srgbClr val="000000"/>
-            </a:solidFill>
-            <a:prstDash val="solid"/>
-            <a:round/>
-            <a:headEnd type="none" w="med" len="med"/>
-            <a:tailEnd type="none" w="med" len="med"/>
-          </a:ln>
-        </p:spPr>
-      </p:sp>
-      <p:sp>
-        <p:nvSpPr>
-          <p:cNvPr id="271" name="Shape 271"/>
-          <p:cNvSpPr txBox="1">
-            <a:spLocks noGrp="1"/>
-          </p:cNvSpPr>
-          <p:nvPr>
-            <p:ph type="body" idx="1"/>
-          </p:nvPr>
-        </p:nvSpPr>
-        <p:spPr>
-          <a:xfrm>
-            <a:off x="685800" y="4343400"/>
-            <a:ext cx="5486399" cy="4114800"/>
-          </a:xfrm>
-          <a:prstGeom prst="rect">
-            <a:avLst/>
-          </a:prstGeom>
-        </p:spPr>
-        <p:txBody>
-          <a:bodyPr lIns="91425" tIns="91425" rIns="91425" bIns="91425" anchor="t" anchorCtr="0">
-            <a:noAutofit/>
-          </a:bodyPr>
-          <a:lstStyle/>
-          <a:p>
-            <a:pPr>
-              <a:spcBef>
-                <a:spcPts val="0"/>
-              </a:spcBef>
-              <a:buNone/>
-            </a:pPr>
-            <a:endParaRPr/>
-          </a:p>
-        </p:txBody>
-      </p:sp>
-    </p:spTree>
-    <p:extLst>
-      <p:ext uri="{BB962C8B-B14F-4D97-AF65-F5344CB8AC3E}">
-        <p14:creationId xmlns:p14="http://schemas.microsoft.com/office/powerpoint/2010/main" val="2017635521"/>
-      </p:ext>
-    </p:extLst>
-  </p:cSld>
-  <p:clrMapOvr>
-    <a:masterClrMapping/>
-  </p:clrMapOvr>
-</p:notes>
-</file>
-
-<file path=ppt/notesSlides/notesSlide23.xml><?xml version="1.0" encoding="utf-8"?>
-<p:notes xmlns:a="http://schemas.openxmlformats.org/drawingml/2006/main" xmlns:r="http://schemas.openxmlformats.org/officeDocument/2006/relationships" xmlns:p="http://schemas.openxmlformats.org/presentationml/2006/main" showMasterSp="0" showMasterPhAnim="0">
-  <p:cSld>
-    <p:spTree>
-      <p:nvGrpSpPr>
-        <p:cNvPr id="1" name="Shape 275"/>
-        <p:cNvGrpSpPr/>
-        <p:nvPr/>
-      </p:nvGrpSpPr>
-      <p:grpSpPr>
-        <a:xfrm>
-          <a:off x="0" y="0"/>
-          <a:ext cx="0" cy="0"/>
-          <a:chOff x="0" y="0"/>
-          <a:chExt cx="0" cy="0"/>
-        </a:xfrm>
-      </p:grpSpPr>
-      <p:sp>
-        <p:nvSpPr>
-          <p:cNvPr id="276" name="Shape 276"/>
-          <p:cNvSpPr>
-            <a:spLocks noGrp="1" noRot="1" noChangeAspect="1"/>
-          </p:cNvSpPr>
-          <p:nvPr>
-            <p:ph type="sldImg" idx="2"/>
-          </p:nvPr>
-        </p:nvSpPr>
-        <p:spPr>
-          <a:xfrm>
-            <a:off x="381000" y="685800"/>
-            <a:ext cx="6096000" cy="3429000"/>
-          </a:xfrm>
-          <a:custGeom>
-            <a:avLst/>
-            <a:gdLst/>
-            <a:ahLst/>
-            <a:cxnLst/>
-            <a:rect l="0" t="0" r="0" b="0"/>
-            <a:pathLst>
-              <a:path w="120000" h="120000" extrusionOk="0">
-                <a:moveTo>
-                  <a:pt x="0" y="0"/>
-                </a:moveTo>
-                <a:lnTo>
-                  <a:pt x="120000" y="0"/>
-                </a:lnTo>
-                <a:lnTo>
-                  <a:pt x="120000" y="120000"/>
-                </a:lnTo>
-                <a:lnTo>
-                  <a:pt x="0" y="120000"/>
-                </a:lnTo>
-                <a:close/>
-              </a:path>
-            </a:pathLst>
-          </a:custGeom>
-          <a:noFill/>
-          <a:ln w="9525" cap="flat" cmpd="sng">
-            <a:solidFill>
-              <a:srgbClr val="000000"/>
-            </a:solidFill>
-            <a:prstDash val="solid"/>
-            <a:round/>
-            <a:headEnd type="none" w="med" len="med"/>
-            <a:tailEnd type="none" w="med" len="med"/>
-          </a:ln>
-        </p:spPr>
-      </p:sp>
-      <p:sp>
-        <p:nvSpPr>
-          <p:cNvPr id="277" name="Shape 277"/>
-          <p:cNvSpPr txBox="1">
-            <a:spLocks noGrp="1"/>
-          </p:cNvSpPr>
-          <p:nvPr>
-            <p:ph type="body" idx="1"/>
-          </p:nvPr>
-        </p:nvSpPr>
-        <p:spPr>
-          <a:xfrm>
-            <a:off x="685800" y="4343400"/>
-            <a:ext cx="5486399" cy="4114800"/>
-          </a:xfrm>
-          <a:prstGeom prst="rect">
-            <a:avLst/>
-          </a:prstGeom>
-        </p:spPr>
-        <p:txBody>
-          <a:bodyPr lIns="91425" tIns="91425" rIns="91425" bIns="91425" anchor="t" anchorCtr="0">
-            <a:noAutofit/>
-          </a:bodyPr>
-          <a:lstStyle/>
-          <a:p>
-            <a:pPr>
-              <a:spcBef>
-                <a:spcPts val="0"/>
-              </a:spcBef>
-              <a:buNone/>
-            </a:pPr>
-            <a:endParaRPr/>
-          </a:p>
-        </p:txBody>
-      </p:sp>
-    </p:spTree>
-    <p:extLst>
-      <p:ext uri="{BB962C8B-B14F-4D97-AF65-F5344CB8AC3E}">
-        <p14:creationId xmlns:p14="http://schemas.microsoft.com/office/powerpoint/2010/main" val="3419727138"/>
-      </p:ext>
-    </p:extLst>
-  </p:cSld>
-  <p:clrMapOvr>
-    <a:masterClrMapping/>
-  </p:clrMapOvr>
-</p:notes>
-</file>
-
-<file path=ppt/notesSlides/notesSlide24.xml><?xml version="1.0" encoding="utf-8"?>
-<p:notes xmlns:a="http://schemas.openxmlformats.org/drawingml/2006/main" xmlns:r="http://schemas.openxmlformats.org/officeDocument/2006/relationships" xmlns:p="http://schemas.openxmlformats.org/presentationml/2006/main" showMasterSp="0" showMasterPhAnim="0">
-  <p:cSld>
-    <p:spTree>
-      <p:nvGrpSpPr>
-        <p:cNvPr id="1" name="Shape 281"/>
-        <p:cNvGrpSpPr/>
-        <p:nvPr/>
-      </p:nvGrpSpPr>
-      <p:grpSpPr>
-        <a:xfrm>
-          <a:off x="0" y="0"/>
-          <a:ext cx="0" cy="0"/>
-          <a:chOff x="0" y="0"/>
-          <a:chExt cx="0" cy="0"/>
-        </a:xfrm>
-      </p:grpSpPr>
-      <p:sp>
-        <p:nvSpPr>
-          <p:cNvPr id="282" name="Shape 282"/>
-          <p:cNvSpPr>
-            <a:spLocks noGrp="1" noRot="1" noChangeAspect="1"/>
-          </p:cNvSpPr>
-          <p:nvPr>
-            <p:ph type="sldImg" idx="2"/>
-          </p:nvPr>
-        </p:nvSpPr>
-        <p:spPr>
-          <a:xfrm>
-            <a:off x="381000" y="685800"/>
-            <a:ext cx="6096000" cy="3429000"/>
-          </a:xfrm>
-          <a:custGeom>
-            <a:avLst/>
-            <a:gdLst/>
-            <a:ahLst/>
-            <a:cxnLst/>
-            <a:rect l="0" t="0" r="0" b="0"/>
-            <a:pathLst>
-              <a:path w="120000" h="120000" extrusionOk="0">
-                <a:moveTo>
-                  <a:pt x="0" y="0"/>
-                </a:moveTo>
-                <a:lnTo>
-                  <a:pt x="120000" y="0"/>
-                </a:lnTo>
-                <a:lnTo>
-                  <a:pt x="120000" y="120000"/>
-                </a:lnTo>
-                <a:lnTo>
-                  <a:pt x="0" y="120000"/>
-                </a:lnTo>
-                <a:close/>
-              </a:path>
-            </a:pathLst>
-          </a:custGeom>
-          <a:noFill/>
-          <a:ln w="9525" cap="flat" cmpd="sng">
-            <a:solidFill>
-              <a:srgbClr val="000000"/>
-            </a:solidFill>
-            <a:prstDash val="solid"/>
-            <a:round/>
-            <a:headEnd type="none" w="med" len="med"/>
-            <a:tailEnd type="none" w="med" len="med"/>
-          </a:ln>
-        </p:spPr>
-      </p:sp>
-      <p:sp>
-        <p:nvSpPr>
-          <p:cNvPr id="283" name="Shape 283"/>
-          <p:cNvSpPr txBox="1">
-            <a:spLocks noGrp="1"/>
-          </p:cNvSpPr>
-          <p:nvPr>
-            <p:ph type="body" idx="1"/>
-          </p:nvPr>
-        </p:nvSpPr>
-        <p:spPr>
-          <a:xfrm>
-            <a:off x="685800" y="4343400"/>
-            <a:ext cx="5486399" cy="4114800"/>
-          </a:xfrm>
-          <a:prstGeom prst="rect">
-            <a:avLst/>
-          </a:prstGeom>
-        </p:spPr>
-        <p:txBody>
-          <a:bodyPr lIns="91425" tIns="91425" rIns="91425" bIns="91425" anchor="t" anchorCtr="0">
-            <a:noAutofit/>
-          </a:bodyPr>
-          <a:lstStyle/>
-          <a:p>
-            <a:pPr>
-              <a:spcBef>
-                <a:spcPts val="0"/>
-              </a:spcBef>
-              <a:buNone/>
-            </a:pPr>
-            <a:endParaRPr/>
-          </a:p>
-        </p:txBody>
-      </p:sp>
-    </p:spTree>
-    <p:extLst>
-      <p:ext uri="{BB962C8B-B14F-4D97-AF65-F5344CB8AC3E}">
-        <p14:creationId xmlns:p14="http://schemas.microsoft.com/office/powerpoint/2010/main" val="2900058296"/>
-      </p:ext>
-    </p:extLst>
-  </p:cSld>
-  <p:clrMapOvr>
-    <a:masterClrMapping/>
-  </p:clrMapOvr>
-</p:notes>
-</file>
-
-<file path=ppt/notesSlides/notesSlide25.xml><?xml version="1.0" encoding="utf-8"?>
-<p:notes xmlns:a="http://schemas.openxmlformats.org/drawingml/2006/main" xmlns:r="http://schemas.openxmlformats.org/officeDocument/2006/relationships" xmlns:p="http://schemas.openxmlformats.org/presentationml/2006/main" showMasterSp="0" showMasterPhAnim="0">
-  <p:cSld>
-    <p:spTree>
-      <p:nvGrpSpPr>
-        <p:cNvPr id="1" name="Shape 287"/>
-        <p:cNvGrpSpPr/>
-        <p:nvPr/>
-      </p:nvGrpSpPr>
-      <p:grpSpPr>
-        <a:xfrm>
-          <a:off x="0" y="0"/>
-          <a:ext cx="0" cy="0"/>
-          <a:chOff x="0" y="0"/>
-          <a:chExt cx="0" cy="0"/>
-        </a:xfrm>
-      </p:grpSpPr>
-      <p:sp>
-        <p:nvSpPr>
-          <p:cNvPr id="288" name="Shape 288"/>
-          <p:cNvSpPr>
-            <a:spLocks noGrp="1" noRot="1" noChangeAspect="1"/>
-          </p:cNvSpPr>
-          <p:nvPr>
-            <p:ph type="sldImg" idx="2"/>
-          </p:nvPr>
-        </p:nvSpPr>
-        <p:spPr>
-          <a:xfrm>
-            <a:off x="381000" y="685800"/>
-            <a:ext cx="6096000" cy="3429000"/>
-          </a:xfrm>
-          <a:custGeom>
-            <a:avLst/>
-            <a:gdLst/>
-            <a:ahLst/>
-            <a:cxnLst/>
-            <a:rect l="0" t="0" r="0" b="0"/>
-            <a:pathLst>
-              <a:path w="120000" h="120000" extrusionOk="0">
-                <a:moveTo>
-                  <a:pt x="0" y="0"/>
-                </a:moveTo>
-                <a:lnTo>
-                  <a:pt x="120000" y="0"/>
-                </a:lnTo>
-                <a:lnTo>
-                  <a:pt x="120000" y="120000"/>
-                </a:lnTo>
-                <a:lnTo>
-                  <a:pt x="0" y="120000"/>
-                </a:lnTo>
-                <a:close/>
-              </a:path>
-            </a:pathLst>
-          </a:custGeom>
-          <a:noFill/>
-          <a:ln w="9525" cap="flat" cmpd="sng">
-            <a:solidFill>
-              <a:srgbClr val="000000"/>
-            </a:solidFill>
-            <a:prstDash val="solid"/>
-            <a:round/>
-            <a:headEnd type="none" w="med" len="med"/>
-            <a:tailEnd type="none" w="med" len="med"/>
-          </a:ln>
-        </p:spPr>
-      </p:sp>
-      <p:sp>
-        <p:nvSpPr>
-          <p:cNvPr id="289" name="Shape 289"/>
-          <p:cNvSpPr txBox="1">
-            <a:spLocks noGrp="1"/>
-          </p:cNvSpPr>
-          <p:nvPr>
-            <p:ph type="body" idx="1"/>
-          </p:nvPr>
-        </p:nvSpPr>
-        <p:spPr>
-          <a:xfrm>
-            <a:off x="685800" y="4343400"/>
-            <a:ext cx="5486399" cy="4114800"/>
-          </a:xfrm>
-          <a:prstGeom prst="rect">
-            <a:avLst/>
-          </a:prstGeom>
-        </p:spPr>
-        <p:txBody>
-          <a:bodyPr lIns="91425" tIns="91425" rIns="91425" bIns="91425" anchor="t" anchorCtr="0">
-            <a:noAutofit/>
-          </a:bodyPr>
-          <a:lstStyle/>
-          <a:p>
-            <a:pPr>
-              <a:spcBef>
-                <a:spcPts val="0"/>
-              </a:spcBef>
-              <a:buNone/>
-            </a:pPr>
-            <a:endParaRPr/>
-          </a:p>
-        </p:txBody>
-      </p:sp>
-    </p:spTree>
-    <p:extLst>
-      <p:ext uri="{BB962C8B-B14F-4D97-AF65-F5344CB8AC3E}">
-        <p14:creationId xmlns:p14="http://schemas.microsoft.com/office/powerpoint/2010/main" val="214534427"/>
-      </p:ext>
-    </p:extLst>
-  </p:cSld>
-  <p:clrMapOvr>
-    <a:masterClrMapping/>
-  </p:clrMapOvr>
-</p:notes>
-</file>
-
-<file path=ppt/notesSlides/notesSlide26.xml><?xml version="1.0" encoding="utf-8"?>
-<p:notes xmlns:a="http://schemas.openxmlformats.org/drawingml/2006/main" xmlns:r="http://schemas.openxmlformats.org/officeDocument/2006/relationships" xmlns:p="http://schemas.openxmlformats.org/presentationml/2006/main" showMasterSp="0" showMasterPhAnim="0">
-  <p:cSld>
-    <p:spTree>
-      <p:nvGrpSpPr>
-        <p:cNvPr id="1" name="Shape 293"/>
-        <p:cNvGrpSpPr/>
-        <p:nvPr/>
-      </p:nvGrpSpPr>
-      <p:grpSpPr>
-        <a:xfrm>
-          <a:off x="0" y="0"/>
-          <a:ext cx="0" cy="0"/>
-          <a:chOff x="0" y="0"/>
-          <a:chExt cx="0" cy="0"/>
-        </a:xfrm>
-      </p:grpSpPr>
-      <p:sp>
-        <p:nvSpPr>
-          <p:cNvPr id="294" name="Shape 294"/>
-          <p:cNvSpPr>
-            <a:spLocks noGrp="1" noRot="1" noChangeAspect="1"/>
-          </p:cNvSpPr>
-          <p:nvPr>
-            <p:ph type="sldImg" idx="2"/>
-          </p:nvPr>
-        </p:nvSpPr>
-        <p:spPr>
-          <a:xfrm>
-            <a:off x="381000" y="685800"/>
-            <a:ext cx="6096000" cy="3429000"/>
-          </a:xfrm>
-          <a:custGeom>
-            <a:avLst/>
-            <a:gdLst/>
-            <a:ahLst/>
-            <a:cxnLst/>
-            <a:rect l="0" t="0" r="0" b="0"/>
-            <a:pathLst>
-              <a:path w="120000" h="120000" extrusionOk="0">
-                <a:moveTo>
-                  <a:pt x="0" y="0"/>
-                </a:moveTo>
-                <a:lnTo>
-                  <a:pt x="120000" y="0"/>
-                </a:lnTo>
-                <a:lnTo>
-                  <a:pt x="120000" y="120000"/>
-                </a:lnTo>
-                <a:lnTo>
-                  <a:pt x="0" y="120000"/>
-                </a:lnTo>
-                <a:close/>
-              </a:path>
-            </a:pathLst>
-          </a:custGeom>
-          <a:noFill/>
-          <a:ln w="9525" cap="flat" cmpd="sng">
-            <a:solidFill>
-              <a:srgbClr val="000000"/>
-            </a:solidFill>
-            <a:prstDash val="solid"/>
-            <a:round/>
-            <a:headEnd type="none" w="med" len="med"/>
-            <a:tailEnd type="none" w="med" len="med"/>
-          </a:ln>
-        </p:spPr>
-      </p:sp>
-      <p:sp>
-        <p:nvSpPr>
-          <p:cNvPr id="295" name="Shape 295"/>
-          <p:cNvSpPr txBox="1">
-            <a:spLocks noGrp="1"/>
-          </p:cNvSpPr>
-          <p:nvPr>
-            <p:ph type="body" idx="1"/>
-          </p:nvPr>
-        </p:nvSpPr>
-        <p:spPr>
-          <a:xfrm>
-            <a:off x="685800" y="4343400"/>
-            <a:ext cx="5486399" cy="4114800"/>
-          </a:xfrm>
-          <a:prstGeom prst="rect">
-            <a:avLst/>
-          </a:prstGeom>
-        </p:spPr>
-        <p:txBody>
-          <a:bodyPr lIns="91425" tIns="91425" rIns="91425" bIns="91425" anchor="t" anchorCtr="0">
-            <a:noAutofit/>
-          </a:bodyPr>
-          <a:lstStyle/>
-          <a:p>
-            <a:pPr>
-              <a:spcBef>
-                <a:spcPts val="0"/>
-              </a:spcBef>
-              <a:buNone/>
-            </a:pPr>
-            <a:endParaRPr/>
-          </a:p>
-        </p:txBody>
-      </p:sp>
-    </p:spTree>
-    <p:extLst>
-      <p:ext uri="{BB962C8B-B14F-4D97-AF65-F5344CB8AC3E}">
-        <p14:creationId xmlns:p14="http://schemas.microsoft.com/office/powerpoint/2010/main" val="2612592207"/>
-      </p:ext>
-    </p:extLst>
-  </p:cSld>
-  <p:clrMapOvr>
-    <a:masterClrMapping/>
-  </p:clrMapOvr>
-</p:notes>
-</file>
-
-<file path=ppt/notesSlides/notesSlide27.xml><?xml version="1.0" encoding="utf-8"?>
 <p:notes xmlns:a="http://schemas.openxmlformats.org/drawingml/2006/main" xmlns:r="http://schemas.openxmlformats.org/officeDocument/2006/relationships" xmlns:p="http://schemas.openxmlformats.org/presentationml/2006/main" showMasterSp="0" showMasterPhAnim="0">
   <p:cSld>
     <p:spTree>
@@ -18490,6 +17905,13 @@
   <p:transition spd="slow">
     <p:cut/>
   </p:transition>
+  <p:timing>
+    <p:tnLst>
+      <p:par>
+        <p:cTn id="1" dur="indefinite" restart="never" nodeType="tmRoot"/>
+      </p:par>
+    </p:tnLst>
+  </p:timing>
 </p:sld>
 </file>
 
@@ -18840,6 +18262,13 @@
   <p:transition spd="slow">
     <p:cut/>
   </p:transition>
+  <p:timing>
+    <p:tnLst>
+      <p:par>
+        <p:cTn id="1" dur="indefinite" restart="never" nodeType="tmRoot"/>
+      </p:par>
+    </p:tnLst>
+  </p:timing>
 </p:sld>
 </file>
 
@@ -18942,6 +18371,13 @@
   <p:transition spd="slow">
     <p:cut/>
   </p:transition>
+  <p:timing>
+    <p:tnLst>
+      <p:par>
+        <p:cTn id="1" dur="indefinite" restart="never" nodeType="tmRoot"/>
+      </p:par>
+    </p:tnLst>
+  </p:timing>
 </p:sld>
 </file>
 
@@ -19044,6 +18480,13 @@
   <p:transition spd="slow">
     <p:cut/>
   </p:transition>
+  <p:timing>
+    <p:tnLst>
+      <p:par>
+        <p:cTn id="1" dur="indefinite" restart="never" nodeType="tmRoot"/>
+      </p:par>
+    </p:tnLst>
+  </p:timing>
 </p:sld>
 </file>
 
@@ -19146,6 +18589,13 @@
   <p:transition spd="slow">
     <p:cut/>
   </p:transition>
+  <p:timing>
+    <p:tnLst>
+      <p:par>
+        <p:cTn id="1" dur="indefinite" restart="never" nodeType="tmRoot"/>
+      </p:par>
+    </p:tnLst>
+  </p:timing>
 </p:sld>
 </file>
 
@@ -19271,6 +18721,13 @@
   <p:transition spd="slow">
     <p:cut/>
   </p:transition>
+  <p:timing>
+    <p:tnLst>
+      <p:par>
+        <p:cTn id="1" dur="indefinite" restart="never" nodeType="tmRoot"/>
+      </p:par>
+    </p:tnLst>
+  </p:timing>
 </p:sld>
 </file>
 
@@ -19329,6 +18786,13 @@
   <p:transition spd="slow">
     <p:cut/>
   </p:transition>
+  <p:timing>
+    <p:tnLst>
+      <p:par>
+        <p:cTn id="1" dur="indefinite" restart="never" nodeType="tmRoot"/>
+      </p:par>
+    </p:tnLst>
+  </p:timing>
 </p:sld>
 </file>
 
@@ -19586,6 +19050,13 @@
   <p:transition spd="slow">
     <p:cut/>
   </p:transition>
+  <p:timing>
+    <p:tnLst>
+      <p:par>
+        <p:cTn id="1" dur="indefinite" restart="never" nodeType="tmRoot"/>
+      </p:par>
+    </p:tnLst>
+  </p:timing>
 </p:sld>
 </file>
 
@@ -19606,79 +19077,36 @@
           <a:chExt cx="0" cy="0"/>
         </a:xfrm>
       </p:grpSpPr>
-      <p:sp>
-        <p:nvSpPr>
-          <p:cNvPr id="242" name="Shape 242"/>
-          <p:cNvSpPr txBox="1">
-            <a:spLocks noGrp="1"/>
-          </p:cNvSpPr>
-          <p:nvPr>
-            <p:ph type="title"/>
-          </p:nvPr>
-        </p:nvSpPr>
+      <p:pic>
+        <p:nvPicPr>
+          <p:cNvPr id="3" name="Imagen 2"/>
+          <p:cNvPicPr>
+            <a:picLocks noChangeAspect="1"/>
+          </p:cNvPicPr>
+          <p:nvPr/>
+        </p:nvPicPr>
+        <p:blipFill>
+          <a:blip r:embed="rId3">
+            <a:extLst>
+              <a:ext uri="{28A0092B-C50C-407E-A947-70E740481C1C}">
+                <a14:useLocalDpi xmlns:a14="http://schemas.microsoft.com/office/drawing/2010/main" val="0"/>
+              </a:ext>
+            </a:extLst>
+          </a:blip>
+          <a:stretch>
+            <a:fillRect/>
+          </a:stretch>
+        </p:blipFill>
         <p:spPr>
           <a:xfrm>
-            <a:off x="677333" y="609600"/>
-            <a:ext cx="8596800" cy="1320899"/>
+            <a:off x="1778009" y="470136"/>
+            <a:ext cx="7181461" cy="5521231"/>
           </a:xfrm>
           <a:prstGeom prst="rect">
             <a:avLst/>
           </a:prstGeom>
         </p:spPr>
-        <p:txBody>
-          <a:bodyPr lIns="91425" tIns="91425" rIns="91425" bIns="91425" anchor="t" anchorCtr="0">
-            <a:noAutofit/>
-          </a:bodyPr>
-          <a:lstStyle/>
-          <a:p>
-            <a:pPr>
-              <a:spcBef>
-                <a:spcPts val="0"/>
-              </a:spcBef>
-              <a:buNone/>
-            </a:pPr>
-            <a:r>
-              <a:rPr lang="es-419"/>
-              <a:t>mascara</a:t>
-            </a:r>
-          </a:p>
-        </p:txBody>
-      </p:sp>
-      <p:sp>
-        <p:nvSpPr>
-          <p:cNvPr id="243" name="Shape 243"/>
-          <p:cNvSpPr txBox="1">
-            <a:spLocks noGrp="1"/>
-          </p:cNvSpPr>
-          <p:nvPr>
-            <p:ph type="body" idx="1"/>
-          </p:nvPr>
-        </p:nvSpPr>
-        <p:spPr>
-          <a:xfrm>
-            <a:off x="677333" y="2160589"/>
-            <a:ext cx="8596800" cy="3880799"/>
-          </a:xfrm>
-          <a:prstGeom prst="rect">
-            <a:avLst/>
-          </a:prstGeom>
-        </p:spPr>
-        <p:txBody>
-          <a:bodyPr lIns="91425" tIns="91425" rIns="91425" bIns="91425" anchor="t" anchorCtr="0">
-            <a:noAutofit/>
-          </a:bodyPr>
-          <a:lstStyle/>
-          <a:p>
-            <a:pPr>
-              <a:spcBef>
-                <a:spcPts val="0"/>
-              </a:spcBef>
-              <a:buNone/>
-            </a:pPr>
-            <a:endParaRPr/>
-          </a:p>
-        </p:txBody>
-      </p:sp>
+      </p:pic>
     </p:spTree>
   </p:cSld>
   <p:clrMapOvr>
@@ -19687,6 +19115,13 @@
   <p:transition spd="slow">
     <p:cut/>
   </p:transition>
+  <p:timing>
+    <p:tnLst>
+      <p:par>
+        <p:cTn id="1" dur="indefinite" restart="never" nodeType="tmRoot"/>
+      </p:par>
+    </p:tnLst>
+  </p:timing>
 </p:sld>
 </file>
 
@@ -19707,88 +19142,36 @@
           <a:chExt cx="0" cy="0"/>
         </a:xfrm>
       </p:grpSpPr>
-      <p:sp>
-        <p:nvSpPr>
-          <p:cNvPr id="248" name="Shape 248"/>
-          <p:cNvSpPr txBox="1">
-            <a:spLocks noGrp="1"/>
-          </p:cNvSpPr>
-          <p:nvPr>
-            <p:ph type="title"/>
-          </p:nvPr>
-        </p:nvSpPr>
+      <p:pic>
+        <p:nvPicPr>
+          <p:cNvPr id="3" name="Imagen 2"/>
+          <p:cNvPicPr>
+            <a:picLocks noChangeAspect="1"/>
+          </p:cNvPicPr>
+          <p:nvPr/>
+        </p:nvPicPr>
+        <p:blipFill>
+          <a:blip r:embed="rId3">
+            <a:extLst>
+              <a:ext uri="{28A0092B-C50C-407E-A947-70E740481C1C}">
+                <a14:useLocalDpi xmlns:a14="http://schemas.microsoft.com/office/drawing/2010/main" val="0"/>
+              </a:ext>
+            </a:extLst>
+          </a:blip>
+          <a:stretch>
+            <a:fillRect/>
+          </a:stretch>
+        </p:blipFill>
         <p:spPr>
           <a:xfrm>
-            <a:off x="677333" y="609600"/>
-            <a:ext cx="8596800" cy="1320899"/>
+            <a:off x="982639" y="0"/>
+            <a:ext cx="8686515" cy="6678342"/>
           </a:xfrm>
           <a:prstGeom prst="rect">
             <a:avLst/>
           </a:prstGeom>
         </p:spPr>
-        <p:txBody>
-          <a:bodyPr lIns="91425" tIns="91425" rIns="91425" bIns="91425" anchor="t" anchorCtr="0">
-            <a:noAutofit/>
-          </a:bodyPr>
-          <a:lstStyle/>
-          <a:p>
-            <a:pPr rtl="0">
-              <a:spcBef>
-                <a:spcPts val="0"/>
-              </a:spcBef>
-              <a:buNone/>
-            </a:pPr>
-            <a:r>
-              <a:rPr lang="es-419"/>
-              <a:t>resultado 1 average</a:t>
-            </a:r>
-          </a:p>
-          <a:p>
-            <a:pPr>
-              <a:spcBef>
-                <a:spcPts val="0"/>
-              </a:spcBef>
-              <a:buNone/>
-            </a:pPr>
-            <a:endParaRPr/>
-          </a:p>
-        </p:txBody>
-      </p:sp>
-      <p:sp>
-        <p:nvSpPr>
-          <p:cNvPr id="249" name="Shape 249"/>
-          <p:cNvSpPr txBox="1">
-            <a:spLocks noGrp="1"/>
-          </p:cNvSpPr>
-          <p:nvPr>
-            <p:ph type="body" idx="1"/>
-          </p:nvPr>
-        </p:nvSpPr>
-        <p:spPr>
-          <a:xfrm>
-            <a:off x="677333" y="2160589"/>
-            <a:ext cx="8596800" cy="3880799"/>
-          </a:xfrm>
-          <a:prstGeom prst="rect">
-            <a:avLst/>
-          </a:prstGeom>
-        </p:spPr>
-        <p:txBody>
-          <a:bodyPr lIns="91425" tIns="91425" rIns="91425" bIns="91425" anchor="t" anchorCtr="0">
-            <a:noAutofit/>
-          </a:bodyPr>
-          <a:lstStyle/>
-          <a:p>
-            <a:pPr>
-              <a:spcBef>
-                <a:spcPts val="0"/>
-              </a:spcBef>
-              <a:buNone/>
-            </a:pPr>
-            <a:endParaRPr/>
-          </a:p>
-        </p:txBody>
-      </p:sp>
+      </p:pic>
     </p:spTree>
   </p:cSld>
   <p:clrMapOvr>
@@ -19797,6 +19180,13 @@
   <p:transition spd="slow">
     <p:cut/>
   </p:transition>
+  <p:timing>
+    <p:tnLst>
+      <p:par>
+        <p:cTn id="1" dur="indefinite" restart="never" nodeType="tmRoot"/>
+      </p:par>
+    </p:tnLst>
+  </p:timing>
 </p:sld>
 </file>
 
@@ -19819,109 +19209,6 @@
       </p:grpSpPr>
       <p:sp>
         <p:nvSpPr>
-          <p:cNvPr id="254" name="Shape 254"/>
-          <p:cNvSpPr txBox="1">
-            <a:spLocks noGrp="1"/>
-          </p:cNvSpPr>
-          <p:nvPr>
-            <p:ph type="title"/>
-          </p:nvPr>
-        </p:nvSpPr>
-        <p:spPr>
-          <a:xfrm>
-            <a:off x="677333" y="609600"/>
-            <a:ext cx="8596800" cy="1320899"/>
-          </a:xfrm>
-          <a:prstGeom prst="rect">
-            <a:avLst/>
-          </a:prstGeom>
-        </p:spPr>
-        <p:txBody>
-          <a:bodyPr lIns="91425" tIns="91425" rIns="91425" bIns="91425" anchor="t" anchorCtr="0">
-            <a:noAutofit/>
-          </a:bodyPr>
-          <a:lstStyle/>
-          <a:p>
-            <a:pPr rtl="0">
-              <a:spcBef>
-                <a:spcPts val="0"/>
-              </a:spcBef>
-              <a:buNone/>
-            </a:pPr>
-            <a:r>
-              <a:rPr lang="es-419"/>
-              <a:t>resultado 2 Disk Blur</a:t>
-            </a:r>
-          </a:p>
-          <a:p>
-            <a:pPr>
-              <a:spcBef>
-                <a:spcPts val="0"/>
-              </a:spcBef>
-              <a:buNone/>
-            </a:pPr>
-            <a:endParaRPr/>
-          </a:p>
-        </p:txBody>
-      </p:sp>
-      <p:sp>
-        <p:nvSpPr>
-          <p:cNvPr id="255" name="Shape 255"/>
-          <p:cNvSpPr txBox="1">
-            <a:spLocks noGrp="1"/>
-          </p:cNvSpPr>
-          <p:nvPr>
-            <p:ph type="body" idx="1"/>
-          </p:nvPr>
-        </p:nvSpPr>
-        <p:spPr>
-          <a:xfrm>
-            <a:off x="677333" y="2160589"/>
-            <a:ext cx="8596800" cy="3880799"/>
-          </a:xfrm>
-          <a:prstGeom prst="rect">
-            <a:avLst/>
-          </a:prstGeom>
-        </p:spPr>
-        <p:txBody>
-          <a:bodyPr lIns="91425" tIns="91425" rIns="91425" bIns="91425" anchor="t" anchorCtr="0">
-            <a:noAutofit/>
-          </a:bodyPr>
-          <a:lstStyle/>
-          <a:p>
-            <a:pPr rtl="0">
-              <a:spcBef>
-                <a:spcPts val="0"/>
-              </a:spcBef>
-              <a:buNone/>
-            </a:pPr>
-            <a:r>
-              <a:rPr lang="es-419"/>
-              <a:t>Drive no me deja importar imagenes :’( </a:t>
-            </a:r>
-          </a:p>
-          <a:p>
-            <a:pPr rtl="0">
-              <a:spcBef>
-                <a:spcPts val="0"/>
-              </a:spcBef>
-              <a:buNone/>
-            </a:pPr>
-            <a:endParaRPr/>
-          </a:p>
-          <a:p>
-            <a:pPr>
-              <a:spcBef>
-                <a:spcPts val="0"/>
-              </a:spcBef>
-              <a:buNone/>
-            </a:pPr>
-            <a:endParaRPr/>
-          </a:p>
-        </p:txBody>
-      </p:sp>
-      <p:sp>
-        <p:nvSpPr>
           <p:cNvPr id="256" name="Shape 256"/>
           <p:cNvSpPr/>
           <p:nvPr/>
@@ -19940,6 +19227,36 @@
           </a:ln>
         </p:spPr>
       </p:sp>
+      <p:pic>
+        <p:nvPicPr>
+          <p:cNvPr id="4" name="Imagen 3"/>
+          <p:cNvPicPr>
+            <a:picLocks noChangeAspect="1"/>
+          </p:cNvPicPr>
+          <p:nvPr/>
+        </p:nvPicPr>
+        <p:blipFill>
+          <a:blip r:embed="rId3">
+            <a:extLst>
+              <a:ext uri="{28A0092B-C50C-407E-A947-70E740481C1C}">
+                <a14:useLocalDpi xmlns:a14="http://schemas.microsoft.com/office/drawing/2010/main" val="0"/>
+              </a:ext>
+            </a:extLst>
+          </a:blip>
+          <a:stretch>
+            <a:fillRect/>
+          </a:stretch>
+        </p:blipFill>
+        <p:spPr>
+          <a:xfrm>
+            <a:off x="1992572" y="572489"/>
+            <a:ext cx="7430922" cy="5713021"/>
+          </a:xfrm>
+          <a:prstGeom prst="rect">
+            <a:avLst/>
+          </a:prstGeom>
+        </p:spPr>
+      </p:pic>
     </p:spTree>
   </p:cSld>
   <p:clrMapOvr>
@@ -19948,6 +19265,13 @@
   <p:transition spd="slow">
     <p:cut/>
   </p:transition>
+  <p:timing>
+    <p:tnLst>
+      <p:par>
+        <p:cTn id="1" dur="indefinite" restart="never" nodeType="tmRoot"/>
+      </p:par>
+    </p:tnLst>
+  </p:timing>
 </p:sld>
 </file>
 
@@ -20067,7 +19391,7 @@
               <a:buChar char="●"/>
             </a:pPr>
             <a:r>
-              <a:rPr lang="es-419" sz="4000" b="0" i="0" u="none" strike="noStrike" cap="none" baseline="0">
+              <a:rPr lang="es-419" sz="4000" b="0" i="0" u="none" strike="noStrike" cap="none" baseline="0" dirty="0">
                 <a:solidFill>
                   <a:srgbClr val="3F3F3F"/>
                 </a:solidFill>
@@ -20095,7 +19419,7 @@
               <a:buChar char="●"/>
             </a:pPr>
             <a:r>
-              <a:rPr lang="es-419" sz="4000" b="0" i="0" u="none" strike="noStrike" cap="none" baseline="0">
+              <a:rPr lang="es-419" sz="4000" b="0" i="0" u="none" strike="noStrike" cap="none" baseline="0" dirty="0">
                 <a:solidFill>
                   <a:srgbClr val="3F3F3F"/>
                 </a:solidFill>
@@ -20123,7 +19447,7 @@
               <a:buChar char="●"/>
             </a:pPr>
             <a:r>
-              <a:rPr lang="es-419" sz="4000" b="0" i="0" u="none" strike="noStrike" cap="none" baseline="0">
+              <a:rPr lang="es-419" sz="4000" b="0" i="0" u="none" strike="noStrike" cap="none" baseline="0" dirty="0">
                 <a:solidFill>
                   <a:srgbClr val="3F3F3F"/>
                 </a:solidFill>
@@ -20151,7 +19475,7 @@
               <a:buChar char="●"/>
             </a:pPr>
             <a:r>
-              <a:rPr lang="es-419" sz="4000" b="0" i="0" u="none" strike="noStrike" cap="none" baseline="0">
+              <a:rPr lang="es-419" sz="4000" b="0" i="0" u="none" strike="noStrike" cap="none" baseline="0" dirty="0">
                 <a:solidFill>
                   <a:srgbClr val="3F3F3F"/>
                 </a:solidFill>
@@ -20160,7 +19484,7 @@
                 <a:cs typeface="Trebuchet MS"/>
                 <a:sym typeface="Trebuchet MS"/>
               </a:rPr>
-              <a:t>Humanos xD</a:t>
+              <a:t>Humanos </a:t>
             </a:r>
           </a:p>
           <a:p>
@@ -20177,7 +19501,7 @@
               <a:buFont typeface="Noto Sans Symbols"/>
               <a:buNone/>
             </a:pPr>
-            <a:endParaRPr sz="1800" b="0" i="0" u="none" strike="noStrike" cap="none" baseline="0">
+            <a:endParaRPr sz="1800" b="0" i="0" u="none" strike="noStrike" cap="none" baseline="0" dirty="0">
               <a:solidFill>
                 <a:srgbClr val="3F3F3F"/>
               </a:solidFill>
@@ -20197,6 +19521,13 @@
   <p:transition spd="slow">
     <p:cut/>
   </p:transition>
+  <p:timing>
+    <p:tnLst>
+      <p:par>
+        <p:cTn id="1" dur="indefinite" restart="never" nodeType="tmRoot"/>
+      </p:par>
+    </p:tnLst>
+  </p:timing>
 </p:sld>
 </file>
 
@@ -20217,79 +19548,36 @@
           <a:chExt cx="0" cy="0"/>
         </a:xfrm>
       </p:grpSpPr>
-      <p:sp>
-        <p:nvSpPr>
-          <p:cNvPr id="261" name="Shape 261"/>
-          <p:cNvSpPr txBox="1">
-            <a:spLocks noGrp="1"/>
-          </p:cNvSpPr>
-          <p:nvPr>
-            <p:ph type="title"/>
-          </p:nvPr>
-        </p:nvSpPr>
+      <p:pic>
+        <p:nvPicPr>
+          <p:cNvPr id="3" name="Imagen 2"/>
+          <p:cNvPicPr>
+            <a:picLocks noChangeAspect="1"/>
+          </p:cNvPicPr>
+          <p:nvPr/>
+        </p:nvPicPr>
+        <p:blipFill>
+          <a:blip r:embed="rId3">
+            <a:extLst>
+              <a:ext uri="{28A0092B-C50C-407E-A947-70E740481C1C}">
+                <a14:useLocalDpi xmlns:a14="http://schemas.microsoft.com/office/drawing/2010/main" val="0"/>
+              </a:ext>
+            </a:extLst>
+          </a:blip>
+          <a:stretch>
+            <a:fillRect/>
+          </a:stretch>
+        </p:blipFill>
         <p:spPr>
           <a:xfrm>
-            <a:off x="677333" y="609600"/>
-            <a:ext cx="8596800" cy="1320899"/>
+            <a:off x="1050878" y="470136"/>
+            <a:ext cx="8004128" cy="6153711"/>
           </a:xfrm>
           <a:prstGeom prst="rect">
             <a:avLst/>
           </a:prstGeom>
         </p:spPr>
-        <p:txBody>
-          <a:bodyPr lIns="91425" tIns="91425" rIns="91425" bIns="91425" anchor="t" anchorCtr="0">
-            <a:noAutofit/>
-          </a:bodyPr>
-          <a:lstStyle/>
-          <a:p>
-            <a:pPr>
-              <a:spcBef>
-                <a:spcPts val="0"/>
-              </a:spcBef>
-              <a:buNone/>
-            </a:pPr>
-            <a:r>
-              <a:rPr lang="es-419"/>
-              <a:t>resultado 3 gaussian Blur</a:t>
-            </a:r>
-          </a:p>
-        </p:txBody>
-      </p:sp>
-      <p:sp>
-        <p:nvSpPr>
-          <p:cNvPr id="262" name="Shape 262"/>
-          <p:cNvSpPr txBox="1">
-            <a:spLocks noGrp="1"/>
-          </p:cNvSpPr>
-          <p:nvPr>
-            <p:ph type="body" idx="1"/>
-          </p:nvPr>
-        </p:nvSpPr>
-        <p:spPr>
-          <a:xfrm>
-            <a:off x="677333" y="2160589"/>
-            <a:ext cx="8596800" cy="3880799"/>
-          </a:xfrm>
-          <a:prstGeom prst="rect">
-            <a:avLst/>
-          </a:prstGeom>
-        </p:spPr>
-        <p:txBody>
-          <a:bodyPr lIns="91425" tIns="91425" rIns="91425" bIns="91425" anchor="t" anchorCtr="0">
-            <a:noAutofit/>
-          </a:bodyPr>
-          <a:lstStyle/>
-          <a:p>
-            <a:pPr>
-              <a:spcBef>
-                <a:spcPts val="0"/>
-              </a:spcBef>
-              <a:buNone/>
-            </a:pPr>
-            <a:endParaRPr/>
-          </a:p>
-        </p:txBody>
-      </p:sp>
+      </p:pic>
     </p:spTree>
   </p:cSld>
   <p:clrMapOvr>
@@ -20298,6 +19586,13 @@
   <p:transition spd="slow">
     <p:cut/>
   </p:transition>
+  <p:timing>
+    <p:tnLst>
+      <p:par>
+        <p:cTn id="1" dur="indefinite" restart="never" nodeType="tmRoot"/>
+      </p:par>
+    </p:tnLst>
+  </p:timing>
 </p:sld>
 </file>
 
@@ -20318,79 +19613,36 @@
           <a:chExt cx="0" cy="0"/>
         </a:xfrm>
       </p:grpSpPr>
-      <p:sp>
-        <p:nvSpPr>
-          <p:cNvPr id="267" name="Shape 267"/>
-          <p:cNvSpPr txBox="1">
-            <a:spLocks noGrp="1"/>
-          </p:cNvSpPr>
-          <p:nvPr>
-            <p:ph type="title"/>
-          </p:nvPr>
-        </p:nvSpPr>
+      <p:pic>
+        <p:nvPicPr>
+          <p:cNvPr id="3" name="Imagen 2"/>
+          <p:cNvPicPr>
+            <a:picLocks noChangeAspect="1"/>
+          </p:cNvPicPr>
+          <p:nvPr/>
+        </p:nvPicPr>
+        <p:blipFill>
+          <a:blip r:embed="rId3">
+            <a:extLst>
+              <a:ext uri="{28A0092B-C50C-407E-A947-70E740481C1C}">
+                <a14:useLocalDpi xmlns:a14="http://schemas.microsoft.com/office/drawing/2010/main" val="0"/>
+              </a:ext>
+            </a:extLst>
+          </a:blip>
+          <a:stretch>
+            <a:fillRect/>
+          </a:stretch>
+        </p:blipFill>
         <p:spPr>
           <a:xfrm>
-            <a:off x="677333" y="609600"/>
-            <a:ext cx="8596800" cy="1320899"/>
+            <a:off x="1160060" y="360953"/>
+            <a:ext cx="8236139" cy="6332085"/>
           </a:xfrm>
           <a:prstGeom prst="rect">
             <a:avLst/>
           </a:prstGeom>
         </p:spPr>
-        <p:txBody>
-          <a:bodyPr lIns="91425" tIns="91425" rIns="91425" bIns="91425" anchor="t" anchorCtr="0">
-            <a:noAutofit/>
-          </a:bodyPr>
-          <a:lstStyle/>
-          <a:p>
-            <a:pPr>
-              <a:spcBef>
-                <a:spcPts val="0"/>
-              </a:spcBef>
-              <a:buNone/>
-            </a:pPr>
-            <a:r>
-              <a:rPr lang="es-419"/>
-              <a:t>resultado 4 Motion blur</a:t>
-            </a:r>
-          </a:p>
-        </p:txBody>
-      </p:sp>
-      <p:sp>
-        <p:nvSpPr>
-          <p:cNvPr id="268" name="Shape 268"/>
-          <p:cNvSpPr txBox="1">
-            <a:spLocks noGrp="1"/>
-          </p:cNvSpPr>
-          <p:nvPr>
-            <p:ph type="body" idx="1"/>
-          </p:nvPr>
-        </p:nvSpPr>
-        <p:spPr>
-          <a:xfrm>
-            <a:off x="677325" y="1528676"/>
-            <a:ext cx="8596800" cy="4512599"/>
-          </a:xfrm>
-          <a:prstGeom prst="rect">
-            <a:avLst/>
-          </a:prstGeom>
-        </p:spPr>
-        <p:txBody>
-          <a:bodyPr lIns="91425" tIns="91425" rIns="91425" bIns="91425" anchor="t" anchorCtr="0">
-            <a:noAutofit/>
-          </a:bodyPr>
-          <a:lstStyle/>
-          <a:p>
-            <a:pPr>
-              <a:spcBef>
-                <a:spcPts val="0"/>
-              </a:spcBef>
-              <a:buNone/>
-            </a:pPr>
-            <a:endParaRPr/>
-          </a:p>
-        </p:txBody>
-      </p:sp>
+      </p:pic>
     </p:spTree>
   </p:cSld>
   <p:clrMapOvr>
@@ -20399,521 +19651,17 @@
   <p:transition spd="slow">
     <p:cut/>
   </p:transition>
+  <p:timing>
+    <p:tnLst>
+      <p:par>
+        <p:cTn id="1" dur="indefinite" restart="never" nodeType="tmRoot"/>
+      </p:par>
+    </p:tnLst>
+  </p:timing>
 </p:sld>
 </file>
 
 <file path=ppt/slides/slide22.xml><?xml version="1.0" encoding="utf-8"?>
-<p:sld xmlns:a="http://schemas.openxmlformats.org/drawingml/2006/main" xmlns:r="http://schemas.openxmlformats.org/officeDocument/2006/relationships" xmlns:p="http://schemas.openxmlformats.org/presentationml/2006/main">
-  <p:cSld>
-    <p:spTree>
-      <p:nvGrpSpPr>
-        <p:cNvPr id="1" name="Shape 272"/>
-        <p:cNvGrpSpPr/>
-        <p:nvPr/>
-      </p:nvGrpSpPr>
-      <p:grpSpPr>
-        <a:xfrm>
-          <a:off x="0" y="0"/>
-          <a:ext cx="0" cy="0"/>
-          <a:chOff x="0" y="0"/>
-          <a:chExt cx="0" cy="0"/>
-        </a:xfrm>
-      </p:grpSpPr>
-      <p:sp>
-        <p:nvSpPr>
-          <p:cNvPr id="273" name="Shape 273"/>
-          <p:cNvSpPr txBox="1">
-            <a:spLocks noGrp="1"/>
-          </p:cNvSpPr>
-          <p:nvPr>
-            <p:ph type="title"/>
-          </p:nvPr>
-        </p:nvSpPr>
-        <p:spPr>
-          <a:xfrm>
-            <a:off x="677325" y="609600"/>
-            <a:ext cx="8596800" cy="890999"/>
-          </a:xfrm>
-          <a:prstGeom prst="rect">
-            <a:avLst/>
-          </a:prstGeom>
-        </p:spPr>
-        <p:txBody>
-          <a:bodyPr lIns="91425" tIns="91425" rIns="91425" bIns="91425" anchor="t" anchorCtr="0">
-            <a:noAutofit/>
-          </a:bodyPr>
-          <a:lstStyle/>
-          <a:p>
-            <a:pPr>
-              <a:spcBef>
-                <a:spcPts val="0"/>
-              </a:spcBef>
-              <a:buNone/>
-            </a:pPr>
-            <a:r>
-              <a:rPr lang="es-419"/>
-              <a:t>Diferencias con lo real</a:t>
-            </a:r>
-          </a:p>
-        </p:txBody>
-      </p:sp>
-      <p:sp>
-        <p:nvSpPr>
-          <p:cNvPr id="274" name="Shape 274"/>
-          <p:cNvSpPr txBox="1">
-            <a:spLocks noGrp="1"/>
-          </p:cNvSpPr>
-          <p:nvPr>
-            <p:ph type="body" idx="1"/>
-          </p:nvPr>
-        </p:nvSpPr>
-        <p:spPr>
-          <a:xfrm>
-            <a:off x="677325" y="1500601"/>
-            <a:ext cx="8596800" cy="4540799"/>
-          </a:xfrm>
-          <a:prstGeom prst="rect">
-            <a:avLst/>
-          </a:prstGeom>
-        </p:spPr>
-        <p:txBody>
-          <a:bodyPr lIns="91425" tIns="91425" rIns="91425" bIns="91425" anchor="t" anchorCtr="0">
-            <a:noAutofit/>
-          </a:bodyPr>
-          <a:lstStyle/>
-          <a:p>
-            <a:pPr>
-              <a:spcBef>
-                <a:spcPts val="0"/>
-              </a:spcBef>
-              <a:buNone/>
-            </a:pPr>
-            <a:endParaRPr/>
-          </a:p>
-        </p:txBody>
-      </p:sp>
-    </p:spTree>
-  </p:cSld>
-  <p:clrMapOvr>
-    <a:masterClrMapping/>
-  </p:clrMapOvr>
-  <p:transition spd="slow">
-    <p:cut/>
-  </p:transition>
-</p:sld>
-</file>
-
-<file path=ppt/slides/slide23.xml><?xml version="1.0" encoding="utf-8"?>
-<p:sld xmlns:a="http://schemas.openxmlformats.org/drawingml/2006/main" xmlns:r="http://schemas.openxmlformats.org/officeDocument/2006/relationships" xmlns:p="http://schemas.openxmlformats.org/presentationml/2006/main">
-  <p:cSld>
-    <p:spTree>
-      <p:nvGrpSpPr>
-        <p:cNvPr id="1" name="Shape 278"/>
-        <p:cNvGrpSpPr/>
-        <p:nvPr/>
-      </p:nvGrpSpPr>
-      <p:grpSpPr>
-        <a:xfrm>
-          <a:off x="0" y="0"/>
-          <a:ext cx="0" cy="0"/>
-          <a:chOff x="0" y="0"/>
-          <a:chExt cx="0" cy="0"/>
-        </a:xfrm>
-      </p:grpSpPr>
-      <p:sp>
-        <p:nvSpPr>
-          <p:cNvPr id="279" name="Shape 279"/>
-          <p:cNvSpPr txBox="1">
-            <a:spLocks noGrp="1"/>
-          </p:cNvSpPr>
-          <p:nvPr>
-            <p:ph type="title"/>
-          </p:nvPr>
-        </p:nvSpPr>
-        <p:spPr>
-          <a:xfrm>
-            <a:off x="677325" y="609600"/>
-            <a:ext cx="8596800" cy="863099"/>
-          </a:xfrm>
-          <a:prstGeom prst="rect">
-            <a:avLst/>
-          </a:prstGeom>
-        </p:spPr>
-        <p:txBody>
-          <a:bodyPr lIns="91425" tIns="91425" rIns="91425" bIns="91425" anchor="t" anchorCtr="0">
-            <a:noAutofit/>
-          </a:bodyPr>
-          <a:lstStyle/>
-          <a:p>
-            <a:pPr>
-              <a:spcBef>
-                <a:spcPts val="0"/>
-              </a:spcBef>
-              <a:buNone/>
-            </a:pPr>
-            <a:r>
-              <a:rPr lang="es-419"/>
-              <a:t>Implementación</a:t>
-            </a:r>
-          </a:p>
-        </p:txBody>
-      </p:sp>
-      <p:sp>
-        <p:nvSpPr>
-          <p:cNvPr id="280" name="Shape 280"/>
-          <p:cNvSpPr txBox="1">
-            <a:spLocks noGrp="1"/>
-          </p:cNvSpPr>
-          <p:nvPr>
-            <p:ph type="body" idx="1"/>
-          </p:nvPr>
-        </p:nvSpPr>
-        <p:spPr>
-          <a:xfrm>
-            <a:off x="677325" y="1753076"/>
-            <a:ext cx="8596800" cy="4288199"/>
-          </a:xfrm>
-          <a:prstGeom prst="rect">
-            <a:avLst/>
-          </a:prstGeom>
-        </p:spPr>
-        <p:txBody>
-          <a:bodyPr lIns="91425" tIns="91425" rIns="91425" bIns="91425" anchor="t" anchorCtr="0">
-            <a:noAutofit/>
-          </a:bodyPr>
-          <a:lstStyle/>
-          <a:p>
-            <a:pPr>
-              <a:spcBef>
-                <a:spcPts val="0"/>
-              </a:spcBef>
-              <a:buNone/>
-            </a:pPr>
-            <a:r>
-              <a:rPr lang="es-419"/>
-              <a:t>como se hizo y en que</a:t>
-            </a:r>
-          </a:p>
-        </p:txBody>
-      </p:sp>
-    </p:spTree>
-  </p:cSld>
-  <p:clrMapOvr>
-    <a:masterClrMapping/>
-  </p:clrMapOvr>
-  <p:transition spd="slow">
-    <p:cut/>
-  </p:transition>
-</p:sld>
-</file>
-
-<file path=ppt/slides/slide24.xml><?xml version="1.0" encoding="utf-8"?>
-<p:sld xmlns:a="http://schemas.openxmlformats.org/drawingml/2006/main" xmlns:r="http://schemas.openxmlformats.org/officeDocument/2006/relationships" xmlns:p="http://schemas.openxmlformats.org/presentationml/2006/main">
-  <p:cSld>
-    <p:spTree>
-      <p:nvGrpSpPr>
-        <p:cNvPr id="1" name="Shape 284"/>
-        <p:cNvGrpSpPr/>
-        <p:nvPr/>
-      </p:nvGrpSpPr>
-      <p:grpSpPr>
-        <a:xfrm>
-          <a:off x="0" y="0"/>
-          <a:ext cx="0" cy="0"/>
-          <a:chOff x="0" y="0"/>
-          <a:chExt cx="0" cy="0"/>
-        </a:xfrm>
-      </p:grpSpPr>
-      <p:sp>
-        <p:nvSpPr>
-          <p:cNvPr id="285" name="Shape 285"/>
-          <p:cNvSpPr txBox="1">
-            <a:spLocks noGrp="1"/>
-          </p:cNvSpPr>
-          <p:nvPr>
-            <p:ph type="title"/>
-          </p:nvPr>
-        </p:nvSpPr>
-        <p:spPr>
-          <a:xfrm>
-            <a:off x="677333" y="609600"/>
-            <a:ext cx="8596800" cy="1320899"/>
-          </a:xfrm>
-          <a:prstGeom prst="rect">
-            <a:avLst/>
-          </a:prstGeom>
-        </p:spPr>
-        <p:txBody>
-          <a:bodyPr lIns="91425" tIns="91425" rIns="91425" bIns="91425" anchor="t" anchorCtr="0">
-            <a:noAutofit/>
-          </a:bodyPr>
-          <a:lstStyle/>
-          <a:p>
-            <a:pPr>
-              <a:spcBef>
-                <a:spcPts val="0"/>
-              </a:spcBef>
-              <a:buNone/>
-            </a:pPr>
-            <a:r>
-              <a:rPr lang="es-419"/>
-              <a:t>Implementacion paralela</a:t>
-            </a:r>
-          </a:p>
-        </p:txBody>
-      </p:sp>
-      <p:sp>
-        <p:nvSpPr>
-          <p:cNvPr id="286" name="Shape 286"/>
-          <p:cNvSpPr txBox="1">
-            <a:spLocks noGrp="1"/>
-          </p:cNvSpPr>
-          <p:nvPr>
-            <p:ph type="body" idx="1"/>
-          </p:nvPr>
-        </p:nvSpPr>
-        <p:spPr>
-          <a:xfrm>
-            <a:off x="677333" y="2160589"/>
-            <a:ext cx="8596800" cy="3880799"/>
-          </a:xfrm>
-          <a:prstGeom prst="rect">
-            <a:avLst/>
-          </a:prstGeom>
-        </p:spPr>
-        <p:txBody>
-          <a:bodyPr lIns="91425" tIns="91425" rIns="91425" bIns="91425" anchor="t" anchorCtr="0">
-            <a:noAutofit/>
-          </a:bodyPr>
-          <a:lstStyle/>
-          <a:p>
-            <a:pPr>
-              <a:spcBef>
-                <a:spcPts val="0"/>
-              </a:spcBef>
-              <a:buNone/>
-            </a:pPr>
-            <a:r>
-              <a:rPr lang="es-419"/>
-              <a:t>como se hizo y con que gpus</a:t>
-            </a:r>
-          </a:p>
-        </p:txBody>
-      </p:sp>
-    </p:spTree>
-  </p:cSld>
-  <p:clrMapOvr>
-    <a:masterClrMapping/>
-  </p:clrMapOvr>
-  <p:transition spd="slow">
-    <p:cut/>
-  </p:transition>
-</p:sld>
-</file>
-
-<file path=ppt/slides/slide25.xml><?xml version="1.0" encoding="utf-8"?>
-<p:sld xmlns:a="http://schemas.openxmlformats.org/drawingml/2006/main" xmlns:r="http://schemas.openxmlformats.org/officeDocument/2006/relationships" xmlns:p="http://schemas.openxmlformats.org/presentationml/2006/main">
-  <p:cSld>
-    <p:spTree>
-      <p:nvGrpSpPr>
-        <p:cNvPr id="1" name="Shape 290"/>
-        <p:cNvGrpSpPr/>
-        <p:nvPr/>
-      </p:nvGrpSpPr>
-      <p:grpSpPr>
-        <a:xfrm>
-          <a:off x="0" y="0"/>
-          <a:ext cx="0" cy="0"/>
-          <a:chOff x="0" y="0"/>
-          <a:chExt cx="0" cy="0"/>
-        </a:xfrm>
-      </p:grpSpPr>
-      <p:sp>
-        <p:nvSpPr>
-          <p:cNvPr id="291" name="Shape 291"/>
-          <p:cNvSpPr txBox="1">
-            <a:spLocks noGrp="1"/>
-          </p:cNvSpPr>
-          <p:nvPr>
-            <p:ph type="title"/>
-          </p:nvPr>
-        </p:nvSpPr>
-        <p:spPr>
-          <a:xfrm>
-            <a:off x="677333" y="609600"/>
-            <a:ext cx="8596800" cy="1320899"/>
-          </a:xfrm>
-          <a:prstGeom prst="rect">
-            <a:avLst/>
-          </a:prstGeom>
-        </p:spPr>
-        <p:txBody>
-          <a:bodyPr lIns="91425" tIns="91425" rIns="91425" bIns="91425" anchor="t" anchorCtr="0">
-            <a:noAutofit/>
-          </a:bodyPr>
-          <a:lstStyle/>
-          <a:p>
-            <a:pPr>
-              <a:spcBef>
-                <a:spcPts val="0"/>
-              </a:spcBef>
-              <a:buNone/>
-            </a:pPr>
-            <a:r>
-              <a:rPr lang="es-419"/>
-              <a:t>Grafica de tiempos</a:t>
-            </a:r>
-          </a:p>
-        </p:txBody>
-      </p:sp>
-      <p:sp>
-        <p:nvSpPr>
-          <p:cNvPr id="292" name="Shape 292"/>
-          <p:cNvSpPr txBox="1">
-            <a:spLocks noGrp="1"/>
-          </p:cNvSpPr>
-          <p:nvPr>
-            <p:ph type="body" idx="1"/>
-          </p:nvPr>
-        </p:nvSpPr>
-        <p:spPr>
-          <a:xfrm>
-            <a:off x="677333" y="2160589"/>
-            <a:ext cx="8596800" cy="3880799"/>
-          </a:xfrm>
-          <a:prstGeom prst="rect">
-            <a:avLst/>
-          </a:prstGeom>
-        </p:spPr>
-        <p:txBody>
-          <a:bodyPr lIns="91425" tIns="91425" rIns="91425" bIns="91425" anchor="t" anchorCtr="0">
-            <a:noAutofit/>
-          </a:bodyPr>
-          <a:lstStyle/>
-          <a:p>
-            <a:pPr>
-              <a:spcBef>
-                <a:spcPts val="0"/>
-              </a:spcBef>
-              <a:buNone/>
-            </a:pPr>
-            <a:endParaRPr/>
-          </a:p>
-        </p:txBody>
-      </p:sp>
-    </p:spTree>
-  </p:cSld>
-  <p:clrMapOvr>
-    <a:masterClrMapping/>
-  </p:clrMapOvr>
-  <p:transition spd="slow">
-    <p:cut/>
-  </p:transition>
-</p:sld>
-</file>
-
-<file path=ppt/slides/slide26.xml><?xml version="1.0" encoding="utf-8"?>
-<p:sld xmlns:a="http://schemas.openxmlformats.org/drawingml/2006/main" xmlns:r="http://schemas.openxmlformats.org/officeDocument/2006/relationships" xmlns:p="http://schemas.openxmlformats.org/presentationml/2006/main">
-  <p:cSld>
-    <p:spTree>
-      <p:nvGrpSpPr>
-        <p:cNvPr id="1" name="Shape 296"/>
-        <p:cNvGrpSpPr/>
-        <p:nvPr/>
-      </p:nvGrpSpPr>
-      <p:grpSpPr>
-        <a:xfrm>
-          <a:off x="0" y="0"/>
-          <a:ext cx="0" cy="0"/>
-          <a:chOff x="0" y="0"/>
-          <a:chExt cx="0" cy="0"/>
-        </a:xfrm>
-      </p:grpSpPr>
-      <p:sp>
-        <p:nvSpPr>
-          <p:cNvPr id="297" name="Shape 297"/>
-          <p:cNvSpPr txBox="1">
-            <a:spLocks noGrp="1"/>
-          </p:cNvSpPr>
-          <p:nvPr>
-            <p:ph type="title"/>
-          </p:nvPr>
-        </p:nvSpPr>
-        <p:spPr>
-          <a:xfrm>
-            <a:off x="677333" y="609600"/>
-            <a:ext cx="8596800" cy="1320899"/>
-          </a:xfrm>
-          <a:prstGeom prst="rect">
-            <a:avLst/>
-          </a:prstGeom>
-        </p:spPr>
-        <p:txBody>
-          <a:bodyPr lIns="91425" tIns="91425" rIns="91425" bIns="91425" anchor="t" anchorCtr="0">
-            <a:noAutofit/>
-          </a:bodyPr>
-          <a:lstStyle/>
-          <a:p>
-            <a:pPr>
-              <a:spcBef>
-                <a:spcPts val="0"/>
-              </a:spcBef>
-              <a:buNone/>
-            </a:pPr>
-            <a:r>
-              <a:rPr lang="es-419"/>
-              <a:t>Grafica de x</a:t>
-            </a:r>
-          </a:p>
-        </p:txBody>
-      </p:sp>
-      <p:sp>
-        <p:nvSpPr>
-          <p:cNvPr id="298" name="Shape 298"/>
-          <p:cNvSpPr txBox="1">
-            <a:spLocks noGrp="1"/>
-          </p:cNvSpPr>
-          <p:nvPr>
-            <p:ph type="body" idx="1"/>
-          </p:nvPr>
-        </p:nvSpPr>
-        <p:spPr>
-          <a:xfrm>
-            <a:off x="677333" y="2160589"/>
-            <a:ext cx="8596800" cy="3880799"/>
-          </a:xfrm>
-          <a:prstGeom prst="rect">
-            <a:avLst/>
-          </a:prstGeom>
-        </p:spPr>
-        <p:txBody>
-          <a:bodyPr lIns="91425" tIns="91425" rIns="91425" bIns="91425" anchor="t" anchorCtr="0">
-            <a:noAutofit/>
-          </a:bodyPr>
-          <a:lstStyle/>
-          <a:p>
-            <a:pPr>
-              <a:spcBef>
-                <a:spcPts val="0"/>
-              </a:spcBef>
-              <a:buNone/>
-            </a:pPr>
-            <a:endParaRPr/>
-          </a:p>
-        </p:txBody>
-      </p:sp>
-    </p:spTree>
-  </p:cSld>
-  <p:clrMapOvr>
-    <a:masterClrMapping/>
-  </p:clrMapOvr>
-  <p:transition spd="slow">
-    <p:cut/>
-  </p:transition>
-</p:sld>
-</file>
-
-<file path=ppt/slides/slide27.xml><?xml version="1.0" encoding="utf-8"?>
 <p:sld xmlns:a="http://schemas.openxmlformats.org/drawingml/2006/main" xmlns:r="http://schemas.openxmlformats.org/officeDocument/2006/relationships" xmlns:p="http://schemas.openxmlformats.org/presentationml/2006/main">
   <p:cSld>
     <p:spTree>
@@ -20976,6 +19724,13 @@
   <p:transition spd="slow">
     <p:cut/>
   </p:transition>
+  <p:timing>
+    <p:tnLst>
+      <p:par>
+        <p:cTn id="1" dur="indefinite" restart="never" nodeType="tmRoot"/>
+      </p:par>
+    </p:tnLst>
+  </p:timing>
 </p:sld>
 </file>
 
@@ -21192,6 +19947,13 @@
   <p:transition spd="slow">
     <p:cut/>
   </p:transition>
+  <p:timing>
+    <p:tnLst>
+      <p:par>
+        <p:cTn id="1" dur="indefinite" restart="never" nodeType="tmRoot"/>
+      </p:par>
+    </p:tnLst>
+  </p:timing>
 </p:sld>
 </file>
 
@@ -21436,6 +20198,13 @@
   <p:transition spd="slow">
     <p:cut/>
   </p:transition>
+  <p:timing>
+    <p:tnLst>
+      <p:par>
+        <p:cTn id="1" dur="indefinite" restart="never" nodeType="tmRoot"/>
+      </p:par>
+    </p:tnLst>
+  </p:timing>
 </p:sld>
 </file>
 
@@ -21628,6 +20397,13 @@
   <p:transition spd="slow">
     <p:cut/>
   </p:transition>
+  <p:timing>
+    <p:tnLst>
+      <p:par>
+        <p:cTn id="1" dur="indefinite" restart="never" nodeType="tmRoot"/>
+      </p:par>
+    </p:tnLst>
+  </p:timing>
 </p:sld>
 </file>
 
@@ -21965,6 +20741,13 @@
   <p:transition spd="slow">
     <p:cut/>
   </p:transition>
+  <p:timing>
+    <p:tnLst>
+      <p:par>
+        <p:cTn id="1" dur="indefinite" restart="never" nodeType="tmRoot"/>
+      </p:par>
+    </p:tnLst>
+  </p:timing>
 </p:sld>
 </file>
 
@@ -22048,6 +20831,13 @@
   <p:transition spd="slow">
     <p:cut/>
   </p:transition>
+  <p:timing>
+    <p:tnLst>
+      <p:par>
+        <p:cTn id="1" dur="indefinite" restart="never" nodeType="tmRoot"/>
+      </p:par>
+    </p:tnLst>
+  </p:timing>
 </p:sld>
 </file>
 
@@ -22241,6 +21031,13 @@
   <p:transition spd="slow">
     <p:cut/>
   </p:transition>
+  <p:timing>
+    <p:tnLst>
+      <p:par>
+        <p:cTn id="1" dur="indefinite" restart="never" nodeType="tmRoot"/>
+      </p:par>
+    </p:tnLst>
+  </p:timing>
 </p:sld>
 </file>
 
@@ -22417,6 +21214,13 @@
   <p:transition spd="slow">
     <p:cut/>
   </p:transition>
+  <p:timing>
+    <p:tnLst>
+      <p:par>
+        <p:cTn id="1" dur="indefinite" restart="never" nodeType="tmRoot"/>
+      </p:par>
+    </p:tnLst>
+  </p:timing>
 </p:sld>
 </file>
 
